--- a/課題研究アイデア.pptx
+++ b/課題研究アイデア.pptx
@@ -104,6 +104,11 @@
       </a:defRPr>
     </a:lvl9pPr>
   </p:defaultTextStyle>
+  <p:extLst>
+    <p:ext uri="{EFAFB233-063F-42B5-8137-9DF3F51BA10A}">
+      <p15:sldGuideLst xmlns:p15="http://schemas.microsoft.com/office/powerpoint/2012/main"/>
+    </p:ext>
+  </p:extLst>
 </p:presentation>
 </file>
 
@@ -117,6 +122,10 @@
     </p:extLst>
   </p:cmAuthor>
 </p:cmAuthorLst>
+</file>
+
+<file path=ppt/revisionInfo.xml><?xml version="1.0" encoding="utf-8"?>
+<p1510:revInfo xmlns:a="http://schemas.openxmlformats.org/drawingml/2006/main" xmlns:r="http://schemas.openxmlformats.org/officeDocument/2006/relationships" xmlns:p1510="http://schemas.microsoft.com/office/powerpoint/2015/10/main"/>
 </file>
 
 <file path=ppt/slideLayouts/slideLayout1.xml><?xml version="1.0" encoding="utf-8"?>
@@ -266,7 +275,7 @@
           <a:p>
             <a:fld id="{BEF611A9-89D3-4441-80FF-CB5124A5232C}" type="datetimeFigureOut">
               <a:rPr kumimoji="1" lang="ja-JP" altLang="en-US" smtClean="0"/>
-              <a:t>2017/7/2</a:t>
+              <a:t>2017/7/4</a:t>
             </a:fld>
             <a:endParaRPr kumimoji="1" lang="ja-JP" altLang="en-US"/>
           </a:p>
@@ -496,7 +505,7 @@
           <a:p>
             <a:fld id="{BEF611A9-89D3-4441-80FF-CB5124A5232C}" type="datetimeFigureOut">
               <a:rPr kumimoji="1" lang="ja-JP" altLang="en-US" smtClean="0"/>
-              <a:t>2017/7/2</a:t>
+              <a:t>2017/7/4</a:t>
             </a:fld>
             <a:endParaRPr kumimoji="1" lang="ja-JP" altLang="en-US"/>
           </a:p>
@@ -736,7 +745,7 @@
           <a:p>
             <a:fld id="{BEF611A9-89D3-4441-80FF-CB5124A5232C}" type="datetimeFigureOut">
               <a:rPr kumimoji="1" lang="ja-JP" altLang="en-US" smtClean="0"/>
-              <a:t>2017/7/2</a:t>
+              <a:t>2017/7/4</a:t>
             </a:fld>
             <a:endParaRPr kumimoji="1" lang="ja-JP" altLang="en-US"/>
           </a:p>
@@ -966,7 +975,7 @@
           <a:p>
             <a:fld id="{BEF611A9-89D3-4441-80FF-CB5124A5232C}" type="datetimeFigureOut">
               <a:rPr kumimoji="1" lang="ja-JP" altLang="en-US" smtClean="0"/>
-              <a:t>2017/7/2</a:t>
+              <a:t>2017/7/4</a:t>
             </a:fld>
             <a:endParaRPr kumimoji="1" lang="ja-JP" altLang="en-US"/>
           </a:p>
@@ -1241,7 +1250,7 @@
           <a:p>
             <a:fld id="{BEF611A9-89D3-4441-80FF-CB5124A5232C}" type="datetimeFigureOut">
               <a:rPr kumimoji="1" lang="ja-JP" altLang="en-US" smtClean="0"/>
-              <a:t>2017/7/2</a:t>
+              <a:t>2017/7/4</a:t>
             </a:fld>
             <a:endParaRPr kumimoji="1" lang="ja-JP" altLang="en-US"/>
           </a:p>
@@ -1570,7 +1579,7 @@
           <a:p>
             <a:fld id="{BEF611A9-89D3-4441-80FF-CB5124A5232C}" type="datetimeFigureOut">
               <a:rPr kumimoji="1" lang="ja-JP" altLang="en-US" smtClean="0"/>
-              <a:t>2017/7/2</a:t>
+              <a:t>2017/7/4</a:t>
             </a:fld>
             <a:endParaRPr kumimoji="1" lang="ja-JP" altLang="en-US"/>
           </a:p>
@@ -2046,7 +2055,7 @@
           <a:p>
             <a:fld id="{BEF611A9-89D3-4441-80FF-CB5124A5232C}" type="datetimeFigureOut">
               <a:rPr kumimoji="1" lang="ja-JP" altLang="en-US" smtClean="0"/>
-              <a:t>2017/7/2</a:t>
+              <a:t>2017/7/4</a:t>
             </a:fld>
             <a:endParaRPr kumimoji="1" lang="ja-JP" altLang="en-US"/>
           </a:p>
@@ -2187,7 +2196,7 @@
           <a:p>
             <a:fld id="{BEF611A9-89D3-4441-80FF-CB5124A5232C}" type="datetimeFigureOut">
               <a:rPr kumimoji="1" lang="ja-JP" altLang="en-US" smtClean="0"/>
-              <a:t>2017/7/2</a:t>
+              <a:t>2017/7/4</a:t>
             </a:fld>
             <a:endParaRPr kumimoji="1" lang="ja-JP" altLang="en-US"/>
           </a:p>
@@ -2300,7 +2309,7 @@
           <a:p>
             <a:fld id="{BEF611A9-89D3-4441-80FF-CB5124A5232C}" type="datetimeFigureOut">
               <a:rPr kumimoji="1" lang="ja-JP" altLang="en-US" smtClean="0"/>
-              <a:t>2017/7/2</a:t>
+              <a:t>2017/7/4</a:t>
             </a:fld>
             <a:endParaRPr kumimoji="1" lang="ja-JP" altLang="en-US"/>
           </a:p>
@@ -2643,7 +2652,7 @@
           <a:p>
             <a:fld id="{BEF611A9-89D3-4441-80FF-CB5124A5232C}" type="datetimeFigureOut">
               <a:rPr kumimoji="1" lang="ja-JP" altLang="en-US" smtClean="0"/>
-              <a:t>2017/7/2</a:t>
+              <a:t>2017/7/4</a:t>
             </a:fld>
             <a:endParaRPr kumimoji="1" lang="ja-JP" altLang="en-US"/>
           </a:p>
@@ -2931,7 +2940,7 @@
           <a:p>
             <a:fld id="{BEF611A9-89D3-4441-80FF-CB5124A5232C}" type="datetimeFigureOut">
               <a:rPr kumimoji="1" lang="ja-JP" altLang="en-US" smtClean="0"/>
-              <a:t>2017/7/2</a:t>
+              <a:t>2017/7/4</a:t>
             </a:fld>
             <a:endParaRPr kumimoji="1" lang="ja-JP" altLang="en-US"/>
           </a:p>
@@ -3204,7 +3213,7 @@
           <a:p>
             <a:fld id="{BEF611A9-89D3-4441-80FF-CB5124A5232C}" type="datetimeFigureOut">
               <a:rPr kumimoji="1" lang="ja-JP" altLang="en-US" smtClean="0"/>
-              <a:t>2017/7/2</a:t>
+              <a:t>2017/7/4</a:t>
             </a:fld>
             <a:endParaRPr kumimoji="1" lang="ja-JP" altLang="en-US"/>
           </a:p>
@@ -3635,7 +3644,7 @@
         </p:nvSpPr>
         <p:spPr>
           <a:xfrm>
-            <a:off x="4781725" y="2718033"/>
+            <a:off x="4776461" y="2718033"/>
             <a:ext cx="2030136" cy="1040235"/>
           </a:xfrm>
           <a:prstGeom prst="roundRect">
@@ -3666,6 +3675,18 @@
           <a:lstStyle/>
           <a:p>
             <a:pPr algn="ctr"/>
+            <a:endParaRPr kumimoji="1" lang="en-US" altLang="ja-JP" dirty="0"/>
+          </a:p>
+          <a:p>
+            <a:pPr algn="ctr"/>
+            <a:r>
+              <a:rPr kumimoji="1" lang="ja-JP" altLang="en-US" dirty="0"/>
+              <a:t>ラズパイ</a:t>
+            </a:r>
+            <a:endParaRPr kumimoji="1" lang="en-US" altLang="ja-JP" dirty="0"/>
+          </a:p>
+          <a:p>
+            <a:pPr algn="ctr"/>
             <a:endParaRPr kumimoji="1" lang="ja-JP" altLang="en-US" dirty="0"/>
           </a:p>
         </p:txBody>
@@ -3938,7 +3959,7 @@
         </p:nvSpPr>
         <p:spPr>
           <a:xfrm>
-            <a:off x="6004889" y="4015740"/>
+            <a:off x="6004889" y="4044315"/>
             <a:ext cx="2521891" cy="646331"/>
           </a:xfrm>
           <a:prstGeom prst="rect">
@@ -4091,7 +4112,7 @@
         <p:spPr>
           <a:xfrm>
             <a:off x="121920" y="198120"/>
-            <a:ext cx="4008449" cy="2308324"/>
+            <a:ext cx="4008449" cy="2862322"/>
           </a:xfrm>
           <a:prstGeom prst="rect">
             <a:avLst/>
@@ -4145,6 +4166,21 @@
               <a:rPr lang="ja-JP" altLang="en-US" dirty="0"/>
               <a:t>手動モードにすればスマホから手動で操作できる。</a:t>
             </a:r>
+            <a:endParaRPr lang="en-US" altLang="ja-JP" dirty="0"/>
+          </a:p>
+          <a:p>
+            <a:r>
+              <a:rPr kumimoji="1" lang="ja-JP" altLang="en-US" dirty="0"/>
+              <a:t>帰宅時間に合わせて自動でエアコン・照明を</a:t>
+            </a:r>
+            <a:r>
+              <a:rPr kumimoji="1" lang="en-US" altLang="ja-JP" dirty="0"/>
+              <a:t>ON</a:t>
+            </a:r>
+            <a:r>
+              <a:rPr lang="ja-JP" altLang="en-US" dirty="0"/>
+              <a:t>し</a:t>
+            </a:r>
             <a:endParaRPr kumimoji="1" lang="en-US" altLang="ja-JP" dirty="0"/>
           </a:p>
         </p:txBody>
@@ -4163,8 +4199,8 @@
         </p:nvSpPr>
         <p:spPr>
           <a:xfrm>
-            <a:off x="5236447" y="3017409"/>
-            <a:ext cx="1130775" cy="369332"/>
+            <a:off x="4771197" y="2933617"/>
+            <a:ext cx="2035400" cy="646331"/>
           </a:xfrm>
           <a:prstGeom prst="rect">
             <a:avLst/>
@@ -4177,10 +4213,20 @@
           </a:bodyPr>
           <a:lstStyle/>
           <a:p>
+            <a:pPr algn="ctr"/>
             <a:r>
               <a:rPr kumimoji="1" lang="ja-JP" altLang="en-US" dirty="0"/>
               <a:t>デバイス</a:t>
             </a:r>
+            <a:endParaRPr kumimoji="1" lang="en-US" altLang="ja-JP" dirty="0"/>
+          </a:p>
+          <a:p>
+            <a:pPr algn="ctr"/>
+            <a:r>
+              <a:rPr lang="ja-JP" altLang="en-US" dirty="0"/>
+              <a:t>（ラズパイ）</a:t>
+            </a:r>
+            <a:endParaRPr kumimoji="1" lang="ja-JP" altLang="en-US" dirty="0"/>
           </a:p>
         </p:txBody>
       </p:sp>
